--- a/fig_mpc.pptx
+++ b/fig_mpc.pptx
@@ -104,6 +104,11 @@
       </a:defRPr>
     </a:lvl9pPr>
   </p:defaultTextStyle>
+  <p:extLst>
+    <p:ext uri="{EFAFB233-063F-42B5-8137-9DF3F51BA10A}">
+      <p15:sldGuideLst xmlns:p15="http://schemas.microsoft.com/office/powerpoint/2012/main"/>
+    </p:ext>
+  </p:extLst>
 </p:presentation>
 </file>
 
@@ -238,7 +243,7 @@
           <a:p>
             <a:fld id="{CEAF6BA2-3C6B-43C5-B522-C874971151D4}" type="datetimeFigureOut">
               <a:rPr lang="en-DE" smtClean="0"/>
-              <a:t>27/10/2021</a:t>
+              <a:t>04/02/2022</a:t>
             </a:fld>
             <a:endParaRPr lang="en-DE"/>
           </a:p>
@@ -408,7 +413,7 @@
           <a:p>
             <a:fld id="{CEAF6BA2-3C6B-43C5-B522-C874971151D4}" type="datetimeFigureOut">
               <a:rPr lang="en-DE" smtClean="0"/>
-              <a:t>27/10/2021</a:t>
+              <a:t>04/02/2022</a:t>
             </a:fld>
             <a:endParaRPr lang="en-DE"/>
           </a:p>
@@ -588,7 +593,7 @@
           <a:p>
             <a:fld id="{CEAF6BA2-3C6B-43C5-B522-C874971151D4}" type="datetimeFigureOut">
               <a:rPr lang="en-DE" smtClean="0"/>
-              <a:t>27/10/2021</a:t>
+              <a:t>04/02/2022</a:t>
             </a:fld>
             <a:endParaRPr lang="en-DE"/>
           </a:p>
@@ -758,7 +763,7 @@
           <a:p>
             <a:fld id="{CEAF6BA2-3C6B-43C5-B522-C874971151D4}" type="datetimeFigureOut">
               <a:rPr lang="en-DE" smtClean="0"/>
-              <a:t>27/10/2021</a:t>
+              <a:t>04/02/2022</a:t>
             </a:fld>
             <a:endParaRPr lang="en-DE"/>
           </a:p>
@@ -1004,7 +1009,7 @@
           <a:p>
             <a:fld id="{CEAF6BA2-3C6B-43C5-B522-C874971151D4}" type="datetimeFigureOut">
               <a:rPr lang="en-DE" smtClean="0"/>
-              <a:t>27/10/2021</a:t>
+              <a:t>04/02/2022</a:t>
             </a:fld>
             <a:endParaRPr lang="en-DE"/>
           </a:p>
@@ -1236,7 +1241,7 @@
           <a:p>
             <a:fld id="{CEAF6BA2-3C6B-43C5-B522-C874971151D4}" type="datetimeFigureOut">
               <a:rPr lang="en-DE" smtClean="0"/>
-              <a:t>27/10/2021</a:t>
+              <a:t>04/02/2022</a:t>
             </a:fld>
             <a:endParaRPr lang="en-DE"/>
           </a:p>
@@ -1603,7 +1608,7 @@
           <a:p>
             <a:fld id="{CEAF6BA2-3C6B-43C5-B522-C874971151D4}" type="datetimeFigureOut">
               <a:rPr lang="en-DE" smtClean="0"/>
-              <a:t>27/10/2021</a:t>
+              <a:t>04/02/2022</a:t>
             </a:fld>
             <a:endParaRPr lang="en-DE"/>
           </a:p>
@@ -1721,7 +1726,7 @@
           <a:p>
             <a:fld id="{CEAF6BA2-3C6B-43C5-B522-C874971151D4}" type="datetimeFigureOut">
               <a:rPr lang="en-DE" smtClean="0"/>
-              <a:t>27/10/2021</a:t>
+              <a:t>04/02/2022</a:t>
             </a:fld>
             <a:endParaRPr lang="en-DE"/>
           </a:p>
@@ -1816,7 +1821,7 @@
           <a:p>
             <a:fld id="{CEAF6BA2-3C6B-43C5-B522-C874971151D4}" type="datetimeFigureOut">
               <a:rPr lang="en-DE" smtClean="0"/>
-              <a:t>27/10/2021</a:t>
+              <a:t>04/02/2022</a:t>
             </a:fld>
             <a:endParaRPr lang="en-DE"/>
           </a:p>
@@ -2093,7 +2098,7 @@
           <a:p>
             <a:fld id="{CEAF6BA2-3C6B-43C5-B522-C874971151D4}" type="datetimeFigureOut">
               <a:rPr lang="en-DE" smtClean="0"/>
-              <a:t>27/10/2021</a:t>
+              <a:t>04/02/2022</a:t>
             </a:fld>
             <a:endParaRPr lang="en-DE"/>
           </a:p>
@@ -2350,7 +2355,7 @@
           <a:p>
             <a:fld id="{CEAF6BA2-3C6B-43C5-B522-C874971151D4}" type="datetimeFigureOut">
               <a:rPr lang="en-DE" smtClean="0"/>
-              <a:t>27/10/2021</a:t>
+              <a:t>04/02/2022</a:t>
             </a:fld>
             <a:endParaRPr lang="en-DE"/>
           </a:p>
@@ -2563,7 +2568,7 @@
           <a:p>
             <a:fld id="{CEAF6BA2-3C6B-43C5-B522-C874971151D4}" type="datetimeFigureOut">
               <a:rPr lang="en-DE" smtClean="0"/>
-              <a:t>27/10/2021</a:t>
+              <a:t>04/02/2022</a:t>
             </a:fld>
             <a:endParaRPr lang="en-DE"/>
           </a:p>
@@ -2982,7 +2987,7 @@
         </p:nvSpPr>
         <p:spPr>
           <a:xfrm>
-            <a:off x="1168320" y="1024811"/>
+            <a:off x="196927" y="207492"/>
             <a:ext cx="1234243" cy="914400"/>
           </a:xfrm>
           <a:prstGeom prst="rect">
@@ -3015,7 +3020,7 @@
                 <a:latin typeface="Aparajita" panose="02020603050405020304" pitchFamily="18" charset="0"/>
                 <a:cs typeface="Aparajita" panose="02020603050405020304" pitchFamily="18" charset="0"/>
               </a:rPr>
-              <a:t>Optimizer</a:t>
+              <a:t>Bayesian Optimizer</a:t>
             </a:r>
           </a:p>
           <a:p>
@@ -3041,8 +3046,8 @@
         </p:nvSpPr>
         <p:spPr>
           <a:xfrm>
-            <a:off x="3499717" y="1024811"/>
-            <a:ext cx="1234243" cy="914400"/>
+            <a:off x="2461260" y="204671"/>
+            <a:ext cx="3040858" cy="2348026"/>
           </a:xfrm>
           <a:prstGeom prst="rect">
             <a:avLst/>
@@ -3074,8 +3079,50 @@
                 <a:latin typeface="Aparajita" panose="02020603050405020304" pitchFamily="18" charset="0"/>
                 <a:cs typeface="Aparajita" panose="02020603050405020304" pitchFamily="18" charset="0"/>
               </a:rPr>
-              <a:t>Plant</a:t>
-            </a:r>
+              <a:t>Simulation</a:t>
+            </a:r>
+          </a:p>
+          <a:p>
+            <a:pPr algn="ctr"/>
+            <a:endParaRPr lang="en-US" b="1" dirty="0">
+              <a:latin typeface="Aparajita" panose="02020603050405020304" pitchFamily="18" charset="0"/>
+              <a:cs typeface="Aparajita" panose="02020603050405020304" pitchFamily="18" charset="0"/>
+            </a:endParaRPr>
+          </a:p>
+          <a:p>
+            <a:pPr algn="ctr"/>
+            <a:endParaRPr lang="en-US" b="1" dirty="0">
+              <a:latin typeface="Aparajita" panose="02020603050405020304" pitchFamily="18" charset="0"/>
+              <a:cs typeface="Aparajita" panose="02020603050405020304" pitchFamily="18" charset="0"/>
+            </a:endParaRPr>
+          </a:p>
+          <a:p>
+            <a:pPr algn="ctr"/>
+            <a:endParaRPr lang="en-US" b="1" dirty="0">
+              <a:latin typeface="Aparajita" panose="02020603050405020304" pitchFamily="18" charset="0"/>
+              <a:cs typeface="Aparajita" panose="02020603050405020304" pitchFamily="18" charset="0"/>
+            </a:endParaRPr>
+          </a:p>
+          <a:p>
+            <a:pPr algn="ctr"/>
+            <a:endParaRPr lang="en-US" b="1" dirty="0">
+              <a:latin typeface="Aparajita" panose="02020603050405020304" pitchFamily="18" charset="0"/>
+              <a:cs typeface="Aparajita" panose="02020603050405020304" pitchFamily="18" charset="0"/>
+            </a:endParaRPr>
+          </a:p>
+          <a:p>
+            <a:pPr algn="ctr"/>
+            <a:endParaRPr lang="en-US" b="1" dirty="0">
+              <a:latin typeface="Aparajita" panose="02020603050405020304" pitchFamily="18" charset="0"/>
+              <a:cs typeface="Aparajita" panose="02020603050405020304" pitchFamily="18" charset="0"/>
+            </a:endParaRPr>
+          </a:p>
+          <a:p>
+            <a:pPr algn="ctr"/>
+            <a:endParaRPr lang="en-US" b="1" dirty="0">
+              <a:latin typeface="Aparajita" panose="02020603050405020304" pitchFamily="18" charset="0"/>
+              <a:cs typeface="Aparajita" panose="02020603050405020304" pitchFamily="18" charset="0"/>
+            </a:endParaRPr>
           </a:p>
           <a:p>
             <a:pPr algn="ctr"/>
@@ -3096,97 +3143,15 @@
             </a:extLst>
           </p:cNvPr>
           <p:cNvCxnSpPr>
+            <a:cxnSpLocks/>
             <a:stCxn id="4" idx="3"/>
-            <a:endCxn id="5" idx="1"/>
           </p:cNvCxnSpPr>
           <p:nvPr/>
         </p:nvCxnSpPr>
         <p:spPr>
           <a:xfrm>
-            <a:off x="2402564" y="1482011"/>
-            <a:ext cx="1097153" cy="0"/>
-          </a:xfrm>
-          <a:prstGeom prst="straightConnector1">
-            <a:avLst/>
-          </a:prstGeom>
-          <a:ln>
-            <a:tailEnd type="triangle"/>
-          </a:ln>
-        </p:spPr>
-        <p:style>
-          <a:lnRef idx="3">
-            <a:schemeClr val="dk1"/>
-          </a:lnRef>
-          <a:fillRef idx="0">
-            <a:schemeClr val="dk1"/>
-          </a:fillRef>
-          <a:effectRef idx="2">
-            <a:schemeClr val="dk1"/>
-          </a:effectRef>
-          <a:fontRef idx="minor">
-            <a:schemeClr val="tx1"/>
-          </a:fontRef>
-        </p:style>
-      </p:cxnSp>
-      <p:cxnSp>
-        <p:nvCxnSpPr>
-          <p:cNvPr id="9" name="Straight Arrow Connector 8">
-            <a:extLst>
-              <a:ext uri="{FF2B5EF4-FFF2-40B4-BE49-F238E27FC236}">
-                <a16:creationId xmlns:a16="http://schemas.microsoft.com/office/drawing/2014/main" id="{7645AEF6-CD54-43EC-9A28-E9E131CF3FF2}"/>
-              </a:ext>
-            </a:extLst>
-          </p:cNvPr>
-          <p:cNvCxnSpPr>
-            <a:endCxn id="4" idx="1"/>
-          </p:cNvCxnSpPr>
-          <p:nvPr/>
-        </p:nvCxnSpPr>
-        <p:spPr>
-          <a:xfrm>
-            <a:off x="346784" y="1482011"/>
-            <a:ext cx="821534" cy="0"/>
-          </a:xfrm>
-          <a:prstGeom prst="straightConnector1">
-            <a:avLst/>
-          </a:prstGeom>
-          <a:ln>
-            <a:tailEnd type="triangle"/>
-          </a:ln>
-        </p:spPr>
-        <p:style>
-          <a:lnRef idx="3">
-            <a:schemeClr val="dk1"/>
-          </a:lnRef>
-          <a:fillRef idx="0">
-            <a:schemeClr val="dk1"/>
-          </a:fillRef>
-          <a:effectRef idx="2">
-            <a:schemeClr val="dk1"/>
-          </a:effectRef>
-          <a:fontRef idx="minor">
-            <a:schemeClr val="tx1"/>
-          </a:fontRef>
-        </p:style>
-      </p:cxnSp>
-      <p:cxnSp>
-        <p:nvCxnSpPr>
-          <p:cNvPr id="11" name="Straight Arrow Connector 10">
-            <a:extLst>
-              <a:ext uri="{FF2B5EF4-FFF2-40B4-BE49-F238E27FC236}">
-                <a16:creationId xmlns:a16="http://schemas.microsoft.com/office/drawing/2014/main" id="{A236C5E6-DBCB-459F-98EA-C1D9A34CFAC2}"/>
-              </a:ext>
-            </a:extLst>
-          </p:cNvPr>
-          <p:cNvCxnSpPr>
-            <a:stCxn id="5" idx="3"/>
-          </p:cNvCxnSpPr>
-          <p:nvPr/>
-        </p:nvCxnSpPr>
-        <p:spPr>
-          <a:xfrm>
-            <a:off x="4733960" y="1482011"/>
-            <a:ext cx="781457" cy="0"/>
+            <a:off x="1431170" y="664692"/>
+            <a:ext cx="1030090" cy="0"/>
           </a:xfrm>
           <a:prstGeom prst="straightConnector1">
             <a:avLst/>
@@ -3220,60 +3185,17 @@
             </a:extLst>
           </p:cNvPr>
           <p:cNvCxnSpPr>
-            <a:stCxn id="5" idx="2"/>
+            <a:cxnSpLocks/>
             <a:endCxn id="4" idx="2"/>
           </p:cNvCxnSpPr>
           <p:nvPr/>
         </p:nvCxnSpPr>
         <p:spPr>
-          <a:xfrm rot="5400000">
-            <a:off x="2951138" y="773513"/>
-            <a:ext cx="12700" cy="2331396"/>
+          <a:xfrm rot="10800000">
+            <a:off x="814050" y="1121893"/>
+            <a:ext cx="1657835" cy="1035493"/>
           </a:xfrm>
-          <a:prstGeom prst="bentConnector3">
-            <a:avLst>
-              <a:gd name="adj1" fmla="val 1800000"/>
-            </a:avLst>
-          </a:prstGeom>
-          <a:ln>
-            <a:tailEnd type="triangle"/>
-          </a:ln>
-        </p:spPr>
-        <p:style>
-          <a:lnRef idx="3">
-            <a:schemeClr val="dk1"/>
-          </a:lnRef>
-          <a:fillRef idx="0">
-            <a:schemeClr val="dk1"/>
-          </a:fillRef>
-          <a:effectRef idx="2">
-            <a:schemeClr val="dk1"/>
-          </a:effectRef>
-          <a:fontRef idx="minor">
-            <a:schemeClr val="tx1"/>
-          </a:fontRef>
-        </p:style>
-      </p:cxnSp>
-      <p:cxnSp>
-        <p:nvCxnSpPr>
-          <p:cNvPr id="15" name="Straight Arrow Connector 14">
-            <a:extLst>
-              <a:ext uri="{FF2B5EF4-FFF2-40B4-BE49-F238E27FC236}">
-                <a16:creationId xmlns:a16="http://schemas.microsoft.com/office/drawing/2014/main" id="{FAB72941-F702-4209-BD6A-D61A2DED0278}"/>
-              </a:ext>
-            </a:extLst>
-          </p:cNvPr>
-          <p:cNvCxnSpPr>
-            <a:endCxn id="4" idx="0"/>
-          </p:cNvCxnSpPr>
-          <p:nvPr/>
-        </p:nvCxnSpPr>
-        <p:spPr>
-          <a:xfrm>
-            <a:off x="1785441" y="446307"/>
-            <a:ext cx="1" cy="578504"/>
-          </a:xfrm>
-          <a:prstGeom prst="straightConnector1">
+          <a:prstGeom prst="bentConnector2">
             <a:avLst/>
           </a:prstGeom>
           <a:ln>
@@ -3295,92 +3217,6 @@
           </a:fontRef>
         </p:style>
       </p:cxnSp>
-      <p:cxnSp>
-        <p:nvCxnSpPr>
-          <p:cNvPr id="17" name="Straight Arrow Connector 16">
-            <a:extLst>
-              <a:ext uri="{FF2B5EF4-FFF2-40B4-BE49-F238E27FC236}">
-                <a16:creationId xmlns:a16="http://schemas.microsoft.com/office/drawing/2014/main" id="{11CE9A2F-6EA0-46F4-BDA4-92BEF5C656CF}"/>
-              </a:ext>
-            </a:extLst>
-          </p:cNvPr>
-          <p:cNvCxnSpPr>
-            <a:cxnSpLocks/>
-            <a:stCxn id="24" idx="2"/>
-            <a:endCxn id="4" idx="0"/>
-          </p:cNvCxnSpPr>
-          <p:nvPr/>
-        </p:nvCxnSpPr>
-        <p:spPr>
-          <a:xfrm>
-            <a:off x="1023695" y="860525"/>
-            <a:ext cx="761747" cy="164286"/>
-          </a:xfrm>
-          <a:prstGeom prst="straightConnector1">
-            <a:avLst/>
-          </a:prstGeom>
-          <a:ln>
-            <a:tailEnd type="triangle"/>
-          </a:ln>
-        </p:spPr>
-        <p:style>
-          <a:lnRef idx="3">
-            <a:schemeClr val="dk1"/>
-          </a:lnRef>
-          <a:fillRef idx="0">
-            <a:schemeClr val="dk1"/>
-          </a:fillRef>
-          <a:effectRef idx="2">
-            <a:schemeClr val="dk1"/>
-          </a:effectRef>
-          <a:fontRef idx="minor">
-            <a:schemeClr val="tx1"/>
-          </a:fontRef>
-        </p:style>
-      </p:cxnSp>
-      <p:cxnSp>
-        <p:nvCxnSpPr>
-          <p:cNvPr id="19" name="Straight Arrow Connector 18">
-            <a:extLst>
-              <a:ext uri="{FF2B5EF4-FFF2-40B4-BE49-F238E27FC236}">
-                <a16:creationId xmlns:a16="http://schemas.microsoft.com/office/drawing/2014/main" id="{D1257A55-CC99-46AE-AE90-91836DC51521}"/>
-              </a:ext>
-            </a:extLst>
-          </p:cNvPr>
-          <p:cNvCxnSpPr>
-            <a:cxnSpLocks/>
-            <a:stCxn id="26" idx="2"/>
-            <a:endCxn id="4" idx="0"/>
-          </p:cNvCxnSpPr>
-          <p:nvPr/>
-        </p:nvCxnSpPr>
-        <p:spPr>
-          <a:xfrm flipH="1">
-            <a:off x="1785442" y="828476"/>
-            <a:ext cx="780983" cy="196337"/>
-          </a:xfrm>
-          <a:prstGeom prst="straightConnector1">
-            <a:avLst/>
-          </a:prstGeom>
-          <a:ln>
-            <a:tailEnd type="triangle"/>
-          </a:ln>
-        </p:spPr>
-        <p:style>
-          <a:lnRef idx="3">
-            <a:schemeClr val="dk1"/>
-          </a:lnRef>
-          <a:fillRef idx="0">
-            <a:schemeClr val="dk1"/>
-          </a:fillRef>
-          <a:effectRef idx="2">
-            <a:schemeClr val="dk1"/>
-          </a:effectRef>
-          <a:fontRef idx="minor">
-            <a:schemeClr val="tx1"/>
-          </a:fontRef>
-        </p:style>
-      </p:cxnSp>
       <p:sp>
         <p:nvSpPr>
           <p:cNvPr id="20" name="TextBox 19">
@@ -3395,8 +3231,8 @@
         </p:nvSpPr>
         <p:spPr>
           <a:xfrm>
-            <a:off x="2648010" y="1153440"/>
-            <a:ext cx="606256" cy="369332"/>
+            <a:off x="1420546" y="648227"/>
+            <a:ext cx="1040714" cy="646331"/>
           </a:xfrm>
           <a:prstGeom prst="rect">
             <a:avLst/>
@@ -3404,7 +3240,7 @@
           <a:noFill/>
         </p:spPr>
         <p:txBody>
-          <a:bodyPr wrap="none" rtlCol="0">
+          <a:bodyPr wrap="square" rtlCol="0">
             <a:spAutoFit/>
           </a:bodyPr>
           <a:lstStyle/>
@@ -3415,42 +3251,9 @@
                 <a:latin typeface="Aparajita" panose="02020603050405020304" pitchFamily="18" charset="0"/>
                 <a:cs typeface="Aparajita" panose="02020603050405020304" pitchFamily="18" charset="0"/>
               </a:rPr>
-              <a:t>input</a:t>
-            </a:r>
-            <a:endParaRPr lang="en-DE" b="1" dirty="0">
-              <a:latin typeface="Aparajita" panose="02020603050405020304" pitchFamily="18" charset="0"/>
-              <a:cs typeface="Aparajita" panose="02020603050405020304" pitchFamily="18" charset="0"/>
-            </a:endParaRPr>
-          </a:p>
-        </p:txBody>
-      </p:sp>
-      <p:sp>
-        <p:nvSpPr>
-          <p:cNvPr id="21" name="TextBox 20">
-            <a:extLst>
-              <a:ext uri="{FF2B5EF4-FFF2-40B4-BE49-F238E27FC236}">
-                <a16:creationId xmlns:a16="http://schemas.microsoft.com/office/drawing/2014/main" id="{81AE34DE-49AF-45EC-B0C8-3DE4E81D08AB}"/>
-              </a:ext>
-            </a:extLst>
-          </p:cNvPr>
-          <p:cNvSpPr txBox="1"/>
-          <p:nvPr/>
-        </p:nvSpPr>
-        <p:spPr>
-          <a:xfrm>
-            <a:off x="117853" y="1153440"/>
-            <a:ext cx="922048" cy="369332"/>
-          </a:xfrm>
-          <a:prstGeom prst="rect">
-            <a:avLst/>
-          </a:prstGeom>
-          <a:noFill/>
-        </p:spPr>
-        <p:txBody>
-          <a:bodyPr wrap="none" rtlCol="0">
-            <a:spAutoFit/>
-          </a:bodyPr>
-          <a:lstStyle/>
+              <a:t>Input cost </a:t>
+            </a:r>
+          </a:p>
           <a:p>
             <a:pPr algn="ctr"/>
             <a:r>
@@ -3458,50 +3261,7 @@
                 <a:latin typeface="Aparajita" panose="02020603050405020304" pitchFamily="18" charset="0"/>
                 <a:cs typeface="Aparajita" panose="02020603050405020304" pitchFamily="18" charset="0"/>
               </a:rPr>
-              <a:t>reference</a:t>
-            </a:r>
-            <a:endParaRPr lang="en-DE" b="1" dirty="0">
-              <a:latin typeface="Aparajita" panose="02020603050405020304" pitchFamily="18" charset="0"/>
-              <a:cs typeface="Aparajita" panose="02020603050405020304" pitchFamily="18" charset="0"/>
-            </a:endParaRPr>
-          </a:p>
-        </p:txBody>
-      </p:sp>
-      <p:sp>
-        <p:nvSpPr>
-          <p:cNvPr id="22" name="TextBox 21">
-            <a:extLst>
-              <a:ext uri="{FF2B5EF4-FFF2-40B4-BE49-F238E27FC236}">
-                <a16:creationId xmlns:a16="http://schemas.microsoft.com/office/drawing/2014/main" id="{86B44AE7-F13E-46AB-85F0-C6E9F6226E3D}"/>
-              </a:ext>
-            </a:extLst>
-          </p:cNvPr>
-          <p:cNvSpPr txBox="1"/>
-          <p:nvPr/>
-        </p:nvSpPr>
-        <p:spPr>
-          <a:xfrm>
-            <a:off x="4791667" y="1153440"/>
-            <a:ext cx="710451" cy="369332"/>
-          </a:xfrm>
-          <a:prstGeom prst="rect">
-            <a:avLst/>
-          </a:prstGeom>
-          <a:noFill/>
-        </p:spPr>
-        <p:txBody>
-          <a:bodyPr wrap="none" rtlCol="0">
-            <a:spAutoFit/>
-          </a:bodyPr>
-          <a:lstStyle/>
-          <a:p>
-            <a:pPr algn="ctr"/>
-            <a:r>
-              <a:rPr lang="en-US" b="1" dirty="0">
-                <a:latin typeface="Aparajita" panose="02020603050405020304" pitchFamily="18" charset="0"/>
-                <a:cs typeface="Aparajita" panose="02020603050405020304" pitchFamily="18" charset="0"/>
-              </a:rPr>
-              <a:t>output</a:t>
+              <a:t>ratio</a:t>
             </a:r>
             <a:endParaRPr lang="en-DE" b="1" dirty="0">
               <a:latin typeface="Aparajita" panose="02020603050405020304" pitchFamily="18" charset="0"/>
@@ -3524,8 +3284,8 @@
         </p:nvSpPr>
         <p:spPr>
           <a:xfrm>
-            <a:off x="2293684" y="2141899"/>
-            <a:ext cx="1327608" cy="369332"/>
+            <a:off x="1446857" y="2071161"/>
+            <a:ext cx="494046" cy="369332"/>
           </a:xfrm>
           <a:prstGeom prst="rect">
             <a:avLst/>
@@ -3544,7 +3304,7 @@
                 <a:latin typeface="Aparajita" panose="02020603050405020304" pitchFamily="18" charset="0"/>
                 <a:cs typeface="Aparajita" panose="02020603050405020304" pitchFamily="18" charset="0"/>
               </a:rPr>
-              <a:t>measurements</a:t>
+              <a:t>cost</a:t>
             </a:r>
             <a:endParaRPr lang="en-DE" b="1" dirty="0">
               <a:latin typeface="Aparajita" panose="02020603050405020304" pitchFamily="18" charset="0"/>
@@ -3555,10 +3315,10 @@
       </p:sp>
       <p:sp>
         <p:nvSpPr>
-          <p:cNvPr id="24" name="TextBox 23">
+          <p:cNvPr id="42" name="TextBox 41">
             <a:extLst>
               <a:ext uri="{FF2B5EF4-FFF2-40B4-BE49-F238E27FC236}">
-                <a16:creationId xmlns:a16="http://schemas.microsoft.com/office/drawing/2014/main" id="{0C120405-57DA-48B3-93AF-17114797A185}"/>
+                <a16:creationId xmlns:a16="http://schemas.microsoft.com/office/drawing/2014/main" id="{AC93261F-479D-4EA1-A4ED-FF78E0D2D803}"/>
               </a:ext>
             </a:extLst>
           </p:cNvPr>
@@ -3567,8 +3327,8 @@
         </p:nvSpPr>
         <p:spPr>
           <a:xfrm>
-            <a:off x="540227" y="491193"/>
-            <a:ext cx="966932" cy="369332"/>
+            <a:off x="2482509" y="648227"/>
+            <a:ext cx="2985903" cy="646331"/>
           </a:xfrm>
           <a:prstGeom prst="rect">
             <a:avLst/>
@@ -3576,106 +3336,26 @@
           <a:noFill/>
         </p:spPr>
         <p:txBody>
-          <a:bodyPr wrap="none" rtlCol="0">
+          <a:bodyPr wrap="square" rtlCol="0">
             <a:spAutoFit/>
           </a:bodyPr>
           <a:lstStyle/>
           <a:p>
-            <a:pPr algn="ctr"/>
-            <a:r>
-              <a:rPr lang="en-US" b="1" dirty="0">
+            <a:r>
+              <a:rPr lang="en-US" dirty="0">
                 <a:latin typeface="Aparajita" panose="02020603050405020304" pitchFamily="18" charset="0"/>
                 <a:cs typeface="Aparajita" panose="02020603050405020304" pitchFamily="18" charset="0"/>
               </a:rPr>
-              <a:t>objectives</a:t>
-            </a:r>
-            <a:endParaRPr lang="en-DE" b="1" dirty="0">
-              <a:latin typeface="Aparajita" panose="02020603050405020304" pitchFamily="18" charset="0"/>
-              <a:cs typeface="Aparajita" panose="02020603050405020304" pitchFamily="18" charset="0"/>
-            </a:endParaRPr>
-          </a:p>
-        </p:txBody>
-      </p:sp>
-      <p:sp>
-        <p:nvSpPr>
-          <p:cNvPr id="25" name="TextBox 24">
-            <a:extLst>
-              <a:ext uri="{FF2B5EF4-FFF2-40B4-BE49-F238E27FC236}">
-                <a16:creationId xmlns:a16="http://schemas.microsoft.com/office/drawing/2014/main" id="{1DC634E1-71F7-4A5D-AE25-279C6FB2102A}"/>
-              </a:ext>
-            </a:extLst>
-          </p:cNvPr>
-          <p:cNvSpPr txBox="1"/>
-          <p:nvPr/>
-        </p:nvSpPr>
-        <p:spPr>
-          <a:xfrm>
-            <a:off x="1451054" y="103397"/>
-            <a:ext cx="668773" cy="369332"/>
-          </a:xfrm>
-          <a:prstGeom prst="rect">
-            <a:avLst/>
-          </a:prstGeom>
-          <a:noFill/>
-        </p:spPr>
-        <p:txBody>
-          <a:bodyPr wrap="none" rtlCol="0">
-            <a:spAutoFit/>
-          </a:bodyPr>
-          <a:lstStyle/>
-          <a:p>
-            <a:pPr algn="ctr"/>
-            <a:r>
-              <a:rPr lang="en-US" b="1" dirty="0">
+              <a:t>Run N number of different paths. The Bike is reset </a:t>
+            </a:r>
+            <a:r>
+              <a:rPr lang="en-US">
                 <a:latin typeface="Aparajita" panose="02020603050405020304" pitchFamily="18" charset="0"/>
                 <a:cs typeface="Aparajita" panose="02020603050405020304" pitchFamily="18" charset="0"/>
               </a:rPr>
-              <a:t>model</a:t>
-            </a:r>
-            <a:endParaRPr lang="en-DE" b="1" dirty="0">
-              <a:latin typeface="Aparajita" panose="02020603050405020304" pitchFamily="18" charset="0"/>
-              <a:cs typeface="Aparajita" panose="02020603050405020304" pitchFamily="18" charset="0"/>
-            </a:endParaRPr>
-          </a:p>
-        </p:txBody>
-      </p:sp>
-      <p:sp>
-        <p:nvSpPr>
-          <p:cNvPr id="26" name="TextBox 25">
-            <a:extLst>
-              <a:ext uri="{FF2B5EF4-FFF2-40B4-BE49-F238E27FC236}">
-                <a16:creationId xmlns:a16="http://schemas.microsoft.com/office/drawing/2014/main" id="{A6C74514-1B79-44B0-92FB-CF49157151F4}"/>
-              </a:ext>
-            </a:extLst>
-          </p:cNvPr>
-          <p:cNvSpPr txBox="1"/>
-          <p:nvPr/>
-        </p:nvSpPr>
-        <p:spPr>
-          <a:xfrm>
-            <a:off x="2036471" y="459142"/>
-            <a:ext cx="1059907" cy="369332"/>
-          </a:xfrm>
-          <a:prstGeom prst="rect">
-            <a:avLst/>
-          </a:prstGeom>
-          <a:noFill/>
-        </p:spPr>
-        <p:txBody>
-          <a:bodyPr wrap="none" rtlCol="0">
-            <a:spAutoFit/>
-          </a:bodyPr>
-          <a:lstStyle/>
-          <a:p>
-            <a:pPr algn="ctr"/>
-            <a:r>
-              <a:rPr lang="en-US" b="1" dirty="0">
-                <a:latin typeface="Aparajita" panose="02020603050405020304" pitchFamily="18" charset="0"/>
-                <a:cs typeface="Aparajita" panose="02020603050405020304" pitchFamily="18" charset="0"/>
-              </a:rPr>
-              <a:t>constraints</a:t>
-            </a:r>
-            <a:endParaRPr lang="en-DE" b="1" dirty="0">
+              <a:t>after each path. </a:t>
+            </a:r>
+            <a:endParaRPr lang="en-DE" dirty="0">
               <a:latin typeface="Aparajita" panose="02020603050405020304" pitchFamily="18" charset="0"/>
               <a:cs typeface="Aparajita" panose="02020603050405020304" pitchFamily="18" charset="0"/>
             </a:endParaRPr>
